--- a/Obesity_dataset_presentation.pptx
+++ b/Obesity_dataset_presentation.pptx
@@ -333,7 +333,7 @@
           <a:p>
             <a:fld id="{FF9C6622-2779-48AA-85C4-86C2E772BCD0}" type="datetimeFigureOut">
               <a:rPr lang="fr-FR" smtClean="0"/>
-              <a:t>05/01/2022</a:t>
+              <a:t>06/01/2022</a:t>
             </a:fld>
             <a:endParaRPr lang="fr-FR"/>
           </a:p>
@@ -561,7 +561,7 @@
           <a:p>
             <a:fld id="{FF9C6622-2779-48AA-85C4-86C2E772BCD0}" type="datetimeFigureOut">
               <a:rPr lang="fr-FR" smtClean="0"/>
-              <a:t>05/01/2022</a:t>
+              <a:t>06/01/2022</a:t>
             </a:fld>
             <a:endParaRPr lang="fr-FR"/>
           </a:p>
@@ -741,7 +741,7 @@
           <a:p>
             <a:fld id="{FF9C6622-2779-48AA-85C4-86C2E772BCD0}" type="datetimeFigureOut">
               <a:rPr lang="fr-FR" smtClean="0"/>
-              <a:t>05/01/2022</a:t>
+              <a:t>06/01/2022</a:t>
             </a:fld>
             <a:endParaRPr lang="fr-FR"/>
           </a:p>
@@ -911,7 +911,7 @@
           <a:p>
             <a:fld id="{FF9C6622-2779-48AA-85C4-86C2E772BCD0}" type="datetimeFigureOut">
               <a:rPr lang="fr-FR" smtClean="0"/>
-              <a:t>05/01/2022</a:t>
+              <a:t>06/01/2022</a:t>
             </a:fld>
             <a:endParaRPr lang="fr-FR"/>
           </a:p>
@@ -1165,7 +1165,7 @@
           <a:p>
             <a:fld id="{FF9C6622-2779-48AA-85C4-86C2E772BCD0}" type="datetimeFigureOut">
               <a:rPr lang="fr-FR" smtClean="0"/>
-              <a:t>05/01/2022</a:t>
+              <a:t>06/01/2022</a:t>
             </a:fld>
             <a:endParaRPr lang="fr-FR"/>
           </a:p>
@@ -1491,7 +1491,7 @@
           <a:p>
             <a:fld id="{FF9C6622-2779-48AA-85C4-86C2E772BCD0}" type="datetimeFigureOut">
               <a:rPr lang="fr-FR" smtClean="0"/>
-              <a:t>05/01/2022</a:t>
+              <a:t>06/01/2022</a:t>
             </a:fld>
             <a:endParaRPr lang="fr-FR"/>
           </a:p>
@@ -1942,7 +1942,7 @@
           <a:p>
             <a:fld id="{FF9C6622-2779-48AA-85C4-86C2E772BCD0}" type="datetimeFigureOut">
               <a:rPr lang="fr-FR" smtClean="0"/>
-              <a:t>05/01/2022</a:t>
+              <a:t>06/01/2022</a:t>
             </a:fld>
             <a:endParaRPr lang="fr-FR"/>
           </a:p>
@@ -2060,7 +2060,7 @@
           <a:p>
             <a:fld id="{FF9C6622-2779-48AA-85C4-86C2E772BCD0}" type="datetimeFigureOut">
               <a:rPr lang="fr-FR" smtClean="0"/>
-              <a:t>05/01/2022</a:t>
+              <a:t>06/01/2022</a:t>
             </a:fld>
             <a:endParaRPr lang="fr-FR"/>
           </a:p>
@@ -2155,7 +2155,7 @@
           <a:p>
             <a:fld id="{FF9C6622-2779-48AA-85C4-86C2E772BCD0}" type="datetimeFigureOut">
               <a:rPr lang="fr-FR" smtClean="0"/>
-              <a:t>05/01/2022</a:t>
+              <a:t>06/01/2022</a:t>
             </a:fld>
             <a:endParaRPr lang="fr-FR"/>
           </a:p>
@@ -2442,7 +2442,7 @@
           <a:p>
             <a:fld id="{FF9C6622-2779-48AA-85C4-86C2E772BCD0}" type="datetimeFigureOut">
               <a:rPr lang="fr-FR" smtClean="0"/>
-              <a:t>05/01/2022</a:t>
+              <a:t>06/01/2022</a:t>
             </a:fld>
             <a:endParaRPr lang="fr-FR"/>
           </a:p>
@@ -2764,7 +2764,7 @@
           <a:p>
             <a:fld id="{FF9C6622-2779-48AA-85C4-86C2E772BCD0}" type="datetimeFigureOut">
               <a:rPr lang="fr-FR" smtClean="0"/>
-              <a:t>05/01/2022</a:t>
+              <a:t>06/01/2022</a:t>
             </a:fld>
             <a:endParaRPr lang="fr-FR"/>
           </a:p>
@@ -3018,7 +3018,7 @@
           <a:p>
             <a:fld id="{FF9C6622-2779-48AA-85C4-86C2E772BCD0}" type="datetimeFigureOut">
               <a:rPr lang="fr-FR" smtClean="0"/>
-              <a:t>05/01/2022</a:t>
+              <a:t>06/01/2022</a:t>
             </a:fld>
             <a:endParaRPr lang="fr-FR"/>
           </a:p>
@@ -3535,20 +3535,16 @@
           <a:lstStyle/>
           <a:p>
             <a:r>
-              <a:rPr lang="fr-FR" dirty="0"/>
-              <a:t>Python for Data </a:t>
-            </a:r>
-            <a:r>
-              <a:rPr lang="fr-FR" dirty="0" err="1"/>
-              <a:t>Analys</a:t>
+              <a:rPr lang="en-US" dirty="0"/>
+              <a:t>Python for Data Analysis</a:t>
             </a:r>
             <a:br>
-              <a:rPr lang="fr-FR" dirty="0"/>
+              <a:rPr lang="en-US" dirty="0"/>
             </a:br>
             <a:br>
-              <a:rPr lang="fr-FR" dirty="0"/>
+              <a:rPr lang="en-US" dirty="0"/>
             </a:br>
-            <a:endParaRPr lang="fr-FR" dirty="0"/>
+            <a:endParaRPr lang="en-US" dirty="0"/>
           </a:p>
         </p:txBody>
       </p:sp>
